--- a/why_r.pptx
+++ b/why_r.pptx
@@ -5,11 +5,12 @@
     <p:sldMasterId id="2147483660" r:id="rId1"/>
   </p:sldMasterIdLst>
   <p:sldIdLst>
-    <p:sldId id="256" r:id="rId2"/>
-    <p:sldId id="257" r:id="rId3"/>
-    <p:sldId id="258" r:id="rId4"/>
-    <p:sldId id="259" r:id="rId5"/>
-    <p:sldId id="260" r:id="rId6"/>
+    <p:sldId id="261" r:id="rId2"/>
+    <p:sldId id="256" r:id="rId3"/>
+    <p:sldId id="257" r:id="rId4"/>
+    <p:sldId id="258" r:id="rId5"/>
+    <p:sldId id="259" r:id="rId6"/>
+    <p:sldId id="260" r:id="rId7"/>
   </p:sldIdLst>
   <p:sldSz cx="12192000" cy="6858000"/>
   <p:notesSz cx="6858000" cy="9144000"/>
@@ -13265,32 +13266,22 @@
       </p:grpSpPr>
       <p:sp>
         <p:nvSpPr>
-          <p:cNvPr id="2" name="Title 1"/>
+          <p:cNvPr id="4" name="Title 3"/>
           <p:cNvSpPr>
             <a:spLocks noGrp="1"/>
           </p:cNvSpPr>
           <p:nvPr>
-            <p:ph type="title"/>
+            <p:ph type="ctrTitle"/>
           </p:nvPr>
         </p:nvSpPr>
         <p:spPr/>
         <p:txBody>
-          <a:bodyPr>
-            <a:normAutofit/>
-          </a:bodyPr>
+          <a:bodyPr/>
           <a:lstStyle/>
           <a:p>
             <a:r>
               <a:rPr lang="en-US" dirty="0" smtClean="0"/>
-              <a:t>Why </a:t>
-            </a:r>
-            <a:r>
-              <a:rPr lang="en-US" dirty="0" smtClean="0"/>
-              <a:t>R</a:t>
-            </a:r>
-            <a:r>
-              <a:rPr lang="en-US" dirty="0" smtClean="0"/>
-              <a:t>?</a:t>
+              <a:t>Tim Allen</a:t>
             </a:r>
             <a:endParaRPr lang="en-US" dirty="0"/>
           </a:p>
@@ -13298,159 +13289,43 @@
       </p:sp>
       <p:sp>
         <p:nvSpPr>
-          <p:cNvPr id="3" name="Subtitle 2"/>
+          <p:cNvPr id="5" name="Subtitle 4"/>
           <p:cNvSpPr>
             <a:spLocks noGrp="1"/>
           </p:cNvSpPr>
           <p:nvPr>
-            <p:ph idx="1"/>
+            <p:ph type="subTitle" idx="1"/>
           </p:nvPr>
         </p:nvSpPr>
-        <p:spPr>
-          <a:xfrm>
-            <a:off x="1154954" y="2603500"/>
-            <a:ext cx="11037046" cy="3416300"/>
-          </a:xfrm>
-        </p:spPr>
+        <p:spPr/>
         <p:txBody>
           <a:bodyPr/>
           <a:lstStyle/>
           <a:p>
-            <a:pPr lvl="0"/>
             <a:r>
               <a:rPr lang="en-US" dirty="0" smtClean="0"/>
-              <a:t>Data Management</a:t>
-            </a:r>
-          </a:p>
-          <a:p>
-            <a:pPr lvl="1"/>
-            <a:r>
-              <a:rPr lang="en-US" dirty="0" smtClean="0"/>
-              <a:t>Obtain data from anywhere: </a:t>
-            </a:r>
-            <a:r>
-              <a:rPr lang="en-US" sz="1600" dirty="0" smtClean="0"/>
-              <a:t>Excel, Oracle, CSV, </a:t>
-            </a:r>
-            <a:r>
-              <a:rPr lang="en-US" sz="1600" dirty="0" err="1" smtClean="0"/>
-              <a:t>WinCATI</a:t>
-            </a:r>
-            <a:r>
-              <a:rPr lang="en-US" sz="1600" dirty="0" smtClean="0"/>
-              <a:t>, Free text, XML, PDF, HTML</a:t>
-            </a:r>
-            <a:r>
-              <a:rPr lang="en-US" sz="1600" dirty="0" smtClean="0"/>
-              <a:t>, </a:t>
-            </a:r>
-            <a:r>
-              <a:rPr lang="en-US" dirty="0" smtClean="0"/>
-              <a:t>MySQL, Hadoop</a:t>
-            </a:r>
-            <a:r>
-              <a:rPr lang="en-US" dirty="0" smtClean="0"/>
-              <a:t>, </a:t>
-            </a:r>
-            <a:r>
-              <a:rPr lang="en-US" dirty="0" err="1" smtClean="0"/>
-              <a:t>JSON</a:t>
-            </a:r>
-            <a:r>
-              <a:rPr lang="en-US" dirty="0" smtClean="0"/>
-              <a:t>, HDF5, </a:t>
-            </a:r>
-            <a:r>
-              <a:rPr lang="en-US" sz="1200" dirty="0" smtClean="0"/>
-              <a:t>SPSS, SAS, </a:t>
-            </a:r>
-            <a:r>
-              <a:rPr lang="en-US" sz="1200" dirty="0" err="1" smtClean="0"/>
-              <a:t>MiniTab</a:t>
-            </a:r>
-            <a:r>
-              <a:rPr lang="en-US" sz="1200" dirty="0" smtClean="0"/>
-              <a:t>…</a:t>
-            </a:r>
-            <a:endParaRPr lang="en-US" dirty="0" smtClean="0"/>
-          </a:p>
-          <a:p>
-            <a:pPr lvl="1"/>
-            <a:r>
-              <a:rPr lang="en-US" dirty="0" smtClean="0"/>
-              <a:t>Manipulate with </a:t>
-            </a:r>
-            <a:r>
-              <a:rPr lang="en-US" b="1" dirty="0" err="1" smtClean="0"/>
-              <a:t>readr</a:t>
-            </a:r>
-            <a:r>
-              <a:rPr lang="en-US" b="1" dirty="0" smtClean="0"/>
-              <a:t> </a:t>
-            </a:r>
-            <a:r>
-              <a:rPr lang="en-US" dirty="0" smtClean="0"/>
-              <a:t>&amp; </a:t>
-            </a:r>
-            <a:r>
-              <a:rPr lang="en-US" b="1" dirty="0" err="1" smtClean="0"/>
-              <a:t>dplyr</a:t>
-            </a:r>
-            <a:endParaRPr lang="en-US" dirty="0" smtClean="0"/>
-          </a:p>
-          <a:p>
-            <a:pPr lvl="1"/>
-            <a:r>
-              <a:rPr lang="en-US" dirty="0" smtClean="0"/>
-              <a:t>Script once, run many</a:t>
-            </a:r>
-          </a:p>
-          <a:p>
-            <a:r>
-              <a:rPr lang="en-US" dirty="0" smtClean="0"/>
-              <a:t>Wide Support</a:t>
-            </a:r>
-          </a:p>
-          <a:p>
-            <a:pPr lvl="1"/>
-            <a:r>
-              <a:rPr lang="en-US" dirty="0" smtClean="0"/>
-              <a:t>6,962 free libraries–statistical methodologies, data formats, integration with software…</a:t>
-            </a:r>
-          </a:p>
-          <a:p>
-            <a:pPr lvl="1"/>
-            <a:r>
-              <a:rPr lang="en-US" dirty="0" smtClean="0"/>
-              <a:t>Built-in help, manuals, free online classes (Coursera)</a:t>
-            </a:r>
-          </a:p>
-          <a:p>
-            <a:r>
-              <a:rPr lang="en-US" dirty="0" smtClean="0"/>
-              <a:t>Free, free, and free</a:t>
-            </a:r>
-          </a:p>
-          <a:p>
-            <a:pPr lvl="1"/>
-            <a:endParaRPr lang="en-US" dirty="0" smtClean="0"/>
-          </a:p>
-          <a:p>
-            <a:pPr lvl="1"/>
-            <a:endParaRPr lang="en-US" dirty="0" smtClean="0"/>
+              <a:t>Recovery ANALYTICS DIVISION</a:t>
+            </a:r>
           </a:p>
         </p:txBody>
       </p:sp>
     </p:spTree>
     <p:extLst>
       <p:ext uri="{BB962C8B-B14F-4D97-AF65-F5344CB8AC3E}">
-        <p14:creationId xmlns:p14="http://schemas.microsoft.com/office/powerpoint/2010/main" val="4208815514"/>
+        <p14:creationId xmlns:p14="http://schemas.microsoft.com/office/powerpoint/2010/main" val="1957398504"/>
       </p:ext>
     </p:extLst>
   </p:cSld>
   <p:clrMapOvr>
     <a:masterClrMapping/>
   </p:clrMapOvr>
+  <p:timing>
+    <p:tnLst>
+      <p:par>
+        <p:cTn id="1" dur="indefinite" restart="never" nodeType="tmRoot"/>
+      </p:par>
+    </p:tnLst>
+  </p:timing>
 </p:sld>
 </file>
 
@@ -13490,7 +13365,7 @@
           <a:p>
             <a:r>
               <a:rPr lang="en-US" dirty="0" smtClean="0"/>
-              <a:t>Top 10 Things (R does really, really well)</a:t>
+              <a:t>Why R?</a:t>
             </a:r>
             <a:endParaRPr lang="en-US" dirty="0"/>
           </a:p>
@@ -13498,7 +13373,7 @@
       </p:sp>
       <p:sp>
         <p:nvSpPr>
-          <p:cNvPr id="3" name="Content Placeholder 2"/>
+          <p:cNvPr id="3" name="Subtitle 2"/>
           <p:cNvSpPr>
             <a:spLocks noGrp="1"/>
           </p:cNvSpPr>
@@ -13506,7 +13381,12 @@
             <p:ph idx="1"/>
           </p:nvPr>
         </p:nvSpPr>
-        <p:spPr/>
+        <p:spPr>
+          <a:xfrm>
+            <a:off x="1154954" y="2603500"/>
+            <a:ext cx="11037046" cy="3416300"/>
+          </a:xfrm>
+        </p:spPr>
         <p:txBody>
           <a:bodyPr/>
           <a:lstStyle/>
@@ -13514,82 +13394,137 @@
             <a:pPr lvl="0"/>
             <a:r>
               <a:rPr lang="en-US" dirty="0" smtClean="0"/>
-              <a:t>10</a:t>
-            </a:r>
-            <a:r>
-              <a:rPr lang="en-US" dirty="0"/>
-              <a:t>. Download </a:t>
-            </a:r>
+              <a:t>Data Management</a:t>
+            </a:r>
+          </a:p>
+          <a:p>
+            <a:pPr lvl="1"/>
             <a:r>
               <a:rPr lang="en-US" dirty="0" smtClean="0"/>
-              <a:t>data</a:t>
-            </a:r>
-          </a:p>
-          <a:p>
-            <a:pPr lvl="0"/>
+              <a:t>Obtain data from anywhere: </a:t>
+            </a:r>
+            <a:r>
+              <a:rPr lang="en-US" sz="1600" dirty="0" smtClean="0"/>
+              <a:t>Excel, Oracle, CSV, </a:t>
+            </a:r>
+            <a:r>
+              <a:rPr lang="en-US" sz="1600" dirty="0" err="1" smtClean="0"/>
+              <a:t>WinCATI</a:t>
+            </a:r>
+            <a:r>
+              <a:rPr lang="en-US" sz="1600" dirty="0" smtClean="0"/>
+              <a:t>, Free text, XML, PDF, HTML, </a:t>
+            </a:r>
             <a:r>
               <a:rPr lang="en-US" dirty="0" smtClean="0"/>
-              <a:t>9. Read in CSV files</a:t>
-            </a:r>
-          </a:p>
-          <a:p>
-            <a:pPr lvl="0"/>
+              <a:t>MySQL, Hadoop, </a:t>
+            </a:r>
+            <a:r>
+              <a:rPr lang="en-US" dirty="0" err="1" smtClean="0"/>
+              <a:t>JSON</a:t>
+            </a:r>
             <a:r>
               <a:rPr lang="en-US" dirty="0" smtClean="0"/>
-              <a:t>8. Slice and Visualize data</a:t>
-            </a:r>
-          </a:p>
-          <a:p>
-            <a:pPr lvl="0"/>
+              <a:t>, HDF5, </a:t>
+            </a:r>
+            <a:r>
+              <a:rPr lang="en-US" sz="1200" dirty="0" smtClean="0"/>
+              <a:t>SPSS, SAS, </a:t>
+            </a:r>
+            <a:r>
+              <a:rPr lang="en-US" sz="1200" dirty="0" err="1" smtClean="0"/>
+              <a:t>MiniTab</a:t>
+            </a:r>
+            <a:r>
+              <a:rPr lang="en-US" sz="1200" dirty="0" smtClean="0"/>
+              <a:t>…</a:t>
+            </a:r>
+            <a:endParaRPr lang="en-US" dirty="0" smtClean="0"/>
+          </a:p>
+          <a:p>
+            <a:pPr lvl="1"/>
             <a:r>
               <a:rPr lang="en-US" dirty="0" smtClean="0"/>
-              <a:t>7. Explore the data graphically</a:t>
-            </a:r>
-          </a:p>
-          <a:p>
-            <a:pPr lvl="0"/>
+              <a:t>Manipulate with </a:t>
+            </a:r>
+            <a:r>
+              <a:rPr lang="en-US" b="1" dirty="0" err="1" smtClean="0"/>
+              <a:t>readr</a:t>
+            </a:r>
+            <a:r>
+              <a:rPr lang="en-US" b="1" dirty="0" smtClean="0"/>
+              <a:t> </a:t>
+            </a:r>
             <a:r>
               <a:rPr lang="en-US" dirty="0" smtClean="0"/>
-              <a:t>6. Extend R with libraries</a:t>
-            </a:r>
-          </a:p>
-          <a:p>
-            <a:pPr lvl="0"/>
+              <a:t>&amp; </a:t>
+            </a:r>
+            <a:r>
+              <a:rPr lang="en-US" b="1" dirty="0" err="1" smtClean="0"/>
+              <a:t>dplyr</a:t>
+            </a:r>
+            <a:endParaRPr lang="en-US" dirty="0" smtClean="0"/>
+          </a:p>
+          <a:p>
+            <a:pPr lvl="1"/>
             <a:r>
               <a:rPr lang="en-US" dirty="0" smtClean="0"/>
-              <a:t>5. Load Excel data</a:t>
-            </a:r>
-          </a:p>
-          <a:p>
-            <a:pPr lvl="0"/>
+              <a:t>Script once, run many</a:t>
+            </a:r>
+          </a:p>
+          <a:p>
             <a:r>
               <a:rPr lang="en-US" dirty="0" smtClean="0"/>
-              <a:t>4. Find missing data</a:t>
-            </a:r>
-          </a:p>
-          <a:p>
-            <a:pPr lvl="0"/>
+              <a:t>Wide Support</a:t>
+            </a:r>
+          </a:p>
+          <a:p>
+            <a:pPr lvl="1"/>
             <a:r>
               <a:rPr lang="en-US" dirty="0" smtClean="0"/>
-              <a:t>3. Model missing values</a:t>
-            </a:r>
-          </a:p>
-          <a:p>
-            <a:pPr lvl="0"/>
-            <a:endParaRPr lang="en-US" dirty="0"/>
+              <a:t>6,962 free libraries–statistical methodologies, data formats, integration with software…</a:t>
+            </a:r>
+          </a:p>
+          <a:p>
+            <a:pPr lvl="1"/>
+            <a:r>
+              <a:rPr lang="en-US" dirty="0" smtClean="0"/>
+              <a:t>Built-in help, manuals, free online classes (Coursera)</a:t>
+            </a:r>
+          </a:p>
+          <a:p>
+            <a:r>
+              <a:rPr lang="en-US" dirty="0" smtClean="0"/>
+              <a:t>Free, free, and free</a:t>
+            </a:r>
+          </a:p>
+          <a:p>
+            <a:pPr lvl="1"/>
+            <a:endParaRPr lang="en-US" dirty="0" smtClean="0"/>
+          </a:p>
+          <a:p>
+            <a:pPr lvl="1"/>
+            <a:endParaRPr lang="en-US" dirty="0" smtClean="0"/>
           </a:p>
         </p:txBody>
       </p:sp>
     </p:spTree>
     <p:extLst>
       <p:ext uri="{BB962C8B-B14F-4D97-AF65-F5344CB8AC3E}">
-        <p14:creationId xmlns:p14="http://schemas.microsoft.com/office/powerpoint/2010/main" val="1968339724"/>
+        <p14:creationId xmlns:p14="http://schemas.microsoft.com/office/powerpoint/2010/main" val="4208815514"/>
       </p:ext>
     </p:extLst>
   </p:cSld>
   <p:clrMapOvr>
     <a:masterClrMapping/>
   </p:clrMapOvr>
+  <p:timing>
+    <p:tnLst>
+      <p:par>
+        <p:cTn id="1" dur="indefinite" restart="never" nodeType="tmRoot"/>
+      </p:par>
+    </p:tnLst>
+  </p:timing>
 </p:sld>
 </file>
 
@@ -13622,12 +13557,14 @@
         </p:nvSpPr>
         <p:spPr/>
         <p:txBody>
-          <a:bodyPr/>
+          <a:bodyPr>
+            <a:normAutofit/>
+          </a:bodyPr>
           <a:lstStyle/>
           <a:p>
             <a:r>
               <a:rPr lang="en-US" dirty="0" smtClean="0"/>
-              <a:t>2. Regression Modeling</a:t>
+              <a:t>Top 10 Things (R does really, really well)</a:t>
             </a:r>
             <a:endParaRPr lang="en-US" dirty="0"/>
           </a:p>
@@ -13648,36 +13585,71 @@
           <a:bodyPr/>
           <a:lstStyle/>
           <a:p>
+            <a:pPr lvl="0"/>
             <a:r>
               <a:rPr lang="en-US" dirty="0" smtClean="0"/>
-              <a:t>One predictor variable (independent variable)</a:t>
-            </a:r>
-          </a:p>
-          <a:p>
+              <a:t>10</a:t>
+            </a:r>
+            <a:r>
+              <a:rPr lang="en-US" dirty="0"/>
+              <a:t>. Download </a:t>
+            </a:r>
             <a:r>
               <a:rPr lang="en-US" dirty="0" smtClean="0"/>
-              <a:t>One response variable (dependent variable)</a:t>
-            </a:r>
-          </a:p>
-          <a:p>
+              <a:t>data</a:t>
+            </a:r>
+          </a:p>
+          <a:p>
+            <a:pPr lvl="0"/>
             <a:r>
               <a:rPr lang="en-US" dirty="0" smtClean="0"/>
-              <a:t>Model the underlying process</a:t>
-            </a:r>
-          </a:p>
-          <a:p>
+              <a:t>9. Read in CSV files</a:t>
+            </a:r>
+          </a:p>
+          <a:p>
+            <a:pPr lvl="0"/>
             <a:r>
               <a:rPr lang="en-US" dirty="0" smtClean="0"/>
-              <a:t>Understand relationship</a:t>
-            </a:r>
-          </a:p>
-          <a:p>
+              <a:t>8. Slice and Visualize data</a:t>
+            </a:r>
+          </a:p>
+          <a:p>
+            <a:pPr lvl="0"/>
             <a:r>
               <a:rPr lang="en-US" dirty="0" smtClean="0"/>
-              <a:t>Predict new values</a:t>
-            </a:r>
-          </a:p>
-          <a:p>
+              <a:t>7. Explore the data graphically</a:t>
+            </a:r>
+          </a:p>
+          <a:p>
+            <a:pPr lvl="0"/>
+            <a:r>
+              <a:rPr lang="en-US" dirty="0" smtClean="0"/>
+              <a:t>6. Extend R with libraries</a:t>
+            </a:r>
+          </a:p>
+          <a:p>
+            <a:pPr lvl="0"/>
+            <a:r>
+              <a:rPr lang="en-US" dirty="0" smtClean="0"/>
+              <a:t>5. Load Excel data</a:t>
+            </a:r>
+          </a:p>
+          <a:p>
+            <a:pPr lvl="0"/>
+            <a:r>
+              <a:rPr lang="en-US" dirty="0" smtClean="0"/>
+              <a:t>4. Find missing data</a:t>
+            </a:r>
+          </a:p>
+          <a:p>
+            <a:pPr lvl="0"/>
+            <a:r>
+              <a:rPr lang="en-US" dirty="0" smtClean="0"/>
+              <a:t>3. Model missing values</a:t>
+            </a:r>
+          </a:p>
+          <a:p>
+            <a:pPr lvl="0"/>
             <a:endParaRPr lang="en-US" dirty="0"/>
           </a:p>
         </p:txBody>
@@ -13685,13 +13657,20 @@
     </p:spTree>
     <p:extLst>
       <p:ext uri="{BB962C8B-B14F-4D97-AF65-F5344CB8AC3E}">
-        <p14:creationId xmlns:p14="http://schemas.microsoft.com/office/powerpoint/2010/main" val="3560099291"/>
+        <p14:creationId xmlns:p14="http://schemas.microsoft.com/office/powerpoint/2010/main" val="1968339724"/>
       </p:ext>
     </p:extLst>
   </p:cSld>
   <p:clrMapOvr>
     <a:masterClrMapping/>
   </p:clrMapOvr>
+  <p:timing>
+    <p:tnLst>
+      <p:par>
+        <p:cTn id="1" dur="indefinite" restart="never" nodeType="tmRoot"/>
+      </p:par>
+    </p:tnLst>
+  </p:timing>
 </p:sld>
 </file>
 
@@ -13729,7 +13708,7 @@
           <a:p>
             <a:r>
               <a:rPr lang="en-US" dirty="0" smtClean="0"/>
-              <a:t>1. Multiple Regression Modeling</a:t>
+              <a:t>2. Regression Modeling</a:t>
             </a:r>
             <a:endParaRPr lang="en-US" dirty="0"/>
           </a:p>
@@ -13752,20 +13731,34 @@
           <a:p>
             <a:r>
               <a:rPr lang="en-US" dirty="0" smtClean="0"/>
-              <a:t>Multiple predictor variables</a:t>
+              <a:t>One predictor variable (independent variable)</a:t>
             </a:r>
           </a:p>
           <a:p>
             <a:r>
               <a:rPr lang="en-US" dirty="0" smtClean="0"/>
-              <a:t>One response variable</a:t>
+              <a:t>One response variable (dependent variable)</a:t>
             </a:r>
           </a:p>
           <a:p>
             <a:r>
               <a:rPr lang="en-US" dirty="0" smtClean="0"/>
-              <a:t>Watch out for overmodeling!</a:t>
-            </a:r>
+              <a:t>Model the underlying process</a:t>
+            </a:r>
+          </a:p>
+          <a:p>
+            <a:r>
+              <a:rPr lang="en-US" dirty="0" smtClean="0"/>
+              <a:t>Understand relationship</a:t>
+            </a:r>
+          </a:p>
+          <a:p>
+            <a:r>
+              <a:rPr lang="en-US" dirty="0" smtClean="0"/>
+              <a:t>Predict new values</a:t>
+            </a:r>
+          </a:p>
+          <a:p>
             <a:endParaRPr lang="en-US" dirty="0"/>
           </a:p>
         </p:txBody>
@@ -13773,13 +13766,20 @@
     </p:spTree>
     <p:extLst>
       <p:ext uri="{BB962C8B-B14F-4D97-AF65-F5344CB8AC3E}">
-        <p14:creationId xmlns:p14="http://schemas.microsoft.com/office/powerpoint/2010/main" val="3769046807"/>
+        <p14:creationId xmlns:p14="http://schemas.microsoft.com/office/powerpoint/2010/main" val="3560099291"/>
       </p:ext>
     </p:extLst>
   </p:cSld>
   <p:clrMapOvr>
     <a:masterClrMapping/>
   </p:clrMapOvr>
+  <p:timing>
+    <p:tnLst>
+      <p:par>
+        <p:cTn id="1" dur="indefinite" restart="never" nodeType="tmRoot"/>
+      </p:par>
+    </p:tnLst>
+  </p:timing>
 </p:sld>
 </file>
 
@@ -13817,7 +13817,7 @@
           <a:p>
             <a:r>
               <a:rPr lang="en-US" dirty="0" smtClean="0"/>
-              <a:t>Supercharging R</a:t>
+              <a:t>1. Multiple Regression Modeling</a:t>
             </a:r>
             <a:endParaRPr lang="en-US" dirty="0"/>
           </a:p>
@@ -13840,6 +13840,101 @@
           <a:p>
             <a:r>
               <a:rPr lang="en-US" dirty="0" smtClean="0"/>
+              <a:t>Multiple predictor variables</a:t>
+            </a:r>
+          </a:p>
+          <a:p>
+            <a:r>
+              <a:rPr lang="en-US" dirty="0" smtClean="0"/>
+              <a:t>One response variable</a:t>
+            </a:r>
+          </a:p>
+          <a:p>
+            <a:r>
+              <a:rPr lang="en-US" dirty="0" smtClean="0"/>
+              <a:t>Watch out for overmodeling!</a:t>
+            </a:r>
+            <a:endParaRPr lang="en-US" dirty="0"/>
+          </a:p>
+        </p:txBody>
+      </p:sp>
+    </p:spTree>
+    <p:extLst>
+      <p:ext uri="{BB962C8B-B14F-4D97-AF65-F5344CB8AC3E}">
+        <p14:creationId xmlns:p14="http://schemas.microsoft.com/office/powerpoint/2010/main" val="3769046807"/>
+      </p:ext>
+    </p:extLst>
+  </p:cSld>
+  <p:clrMapOvr>
+    <a:masterClrMapping/>
+  </p:clrMapOvr>
+  <p:timing>
+    <p:tnLst>
+      <p:par>
+        <p:cTn id="1" dur="indefinite" restart="never" nodeType="tmRoot"/>
+      </p:par>
+    </p:tnLst>
+  </p:timing>
+</p:sld>
+</file>
+
+<file path=ppt/slides/slide6.xml><?xml version="1.0" encoding="utf-8"?>
+<p:sld xmlns:a="http://schemas.openxmlformats.org/drawingml/2006/main" xmlns:r="http://schemas.openxmlformats.org/officeDocument/2006/relationships" xmlns:p="http://schemas.openxmlformats.org/presentationml/2006/main">
+  <p:cSld>
+    <p:spTree>
+      <p:nvGrpSpPr>
+        <p:cNvPr id="1" name=""/>
+        <p:cNvGrpSpPr/>
+        <p:nvPr/>
+      </p:nvGrpSpPr>
+      <p:grpSpPr>
+        <a:xfrm>
+          <a:off x="0" y="0"/>
+          <a:ext cx="0" cy="0"/>
+          <a:chOff x="0" y="0"/>
+          <a:chExt cx="0" cy="0"/>
+        </a:xfrm>
+      </p:grpSpPr>
+      <p:sp>
+        <p:nvSpPr>
+          <p:cNvPr id="2" name="Title 1"/>
+          <p:cNvSpPr>
+            <a:spLocks noGrp="1"/>
+          </p:cNvSpPr>
+          <p:nvPr>
+            <p:ph type="title"/>
+          </p:nvPr>
+        </p:nvSpPr>
+        <p:spPr/>
+        <p:txBody>
+          <a:bodyPr/>
+          <a:lstStyle/>
+          <a:p>
+            <a:r>
+              <a:rPr lang="en-US" dirty="0" smtClean="0"/>
+              <a:t>Supercharging R</a:t>
+            </a:r>
+            <a:endParaRPr lang="en-US" dirty="0"/>
+          </a:p>
+        </p:txBody>
+      </p:sp>
+      <p:sp>
+        <p:nvSpPr>
+          <p:cNvPr id="3" name="Content Placeholder 2"/>
+          <p:cNvSpPr>
+            <a:spLocks noGrp="1"/>
+          </p:cNvSpPr>
+          <p:nvPr>
+            <p:ph idx="1"/>
+          </p:nvPr>
+        </p:nvSpPr>
+        <p:spPr/>
+        <p:txBody>
+          <a:bodyPr/>
+          <a:lstStyle/>
+          <a:p>
+            <a:r>
+              <a:rPr lang="en-US" dirty="0" smtClean="0"/>
               <a:t>Learn more advanced packages</a:t>
             </a:r>
           </a:p>
@@ -13869,19 +13964,30 @@
             </a:r>
             <a:r>
               <a:rPr lang="en-US" dirty="0" smtClean="0"/>
-              <a:t> – query dataframes with SQL</a:t>
-            </a:r>
-          </a:p>
-          <a:p>
+              <a:t> – query dataframes with </a:t>
+            </a:r>
             <a:r>
               <a:rPr lang="en-US" dirty="0" smtClean="0"/>
-              <a:t>Take a Data Science course </a:t>
+              <a:t>SQL</a:t>
+            </a:r>
+          </a:p>
+          <a:p>
+            <a:pPr lvl="1"/>
+            <a:r>
+              <a:rPr lang="en-US" dirty="0" smtClean="0"/>
+              <a:t>NLP – Natural </a:t>
             </a:r>
             <a:r>
               <a:rPr lang="en-US" smtClean="0"/>
-              <a:t>(free/cheap)</a:t>
+              <a:t>Language Processing/Text Mining</a:t>
             </a:r>
             <a:endParaRPr lang="en-US" dirty="0" smtClean="0"/>
+          </a:p>
+          <a:p>
+            <a:r>
+              <a:rPr lang="en-US" dirty="0" smtClean="0"/>
+              <a:t>Take a Data Science course (free/cheap)</a:t>
+            </a:r>
           </a:p>
           <a:p>
             <a:r>
@@ -13916,6 +14022,13 @@
   <p:clrMapOvr>
     <a:masterClrMapping/>
   </p:clrMapOvr>
+  <p:timing>
+    <p:tnLst>
+      <p:par>
+        <p:cTn id="1" dur="indefinite" restart="never" nodeType="tmRoot"/>
+      </p:par>
+    </p:tnLst>
+  </p:timing>
 </p:sld>
 </file>
 

--- a/why_r.pptx
+++ b/why_r.pptx
@@ -10,7 +10,8 @@
     <p:sldId id="257" r:id="rId4"/>
     <p:sldId id="258" r:id="rId5"/>
     <p:sldId id="259" r:id="rId6"/>
-    <p:sldId id="260" r:id="rId7"/>
+    <p:sldId id="262" r:id="rId7"/>
+    <p:sldId id="260" r:id="rId8"/>
   </p:sldIdLst>
   <p:sldSz cx="12192000" cy="6858000"/>
   <p:notesSz cx="6858000" cy="9144000"/>
@@ -452,7 +453,7 @@
           <a:p>
             <a:fld id="{BFC6854B-1319-4214-A455-C00E97A8183C}" type="datetimeFigureOut">
               <a:rPr lang="en-US" smtClean="0"/>
-              <a:t>8/3/2015</a:t>
+              <a:t>8/4/2015</a:t>
             </a:fld>
             <a:endParaRPr lang="en-US"/>
           </a:p>
@@ -1540,7 +1541,7 @@
           <a:p>
             <a:fld id="{BFC6854B-1319-4214-A455-C00E97A8183C}" type="datetimeFigureOut">
               <a:rPr lang="en-US" smtClean="0"/>
-              <a:t>8/3/2015</a:t>
+              <a:t>8/4/2015</a:t>
             </a:fld>
             <a:endParaRPr lang="en-US"/>
           </a:p>
@@ -2520,7 +2521,7 @@
           <a:p>
             <a:fld id="{BFC6854B-1319-4214-A455-C00E97A8183C}" type="datetimeFigureOut">
               <a:rPr lang="en-US" smtClean="0"/>
-              <a:t>8/3/2015</a:t>
+              <a:t>8/4/2015</a:t>
             </a:fld>
             <a:endParaRPr lang="en-US"/>
           </a:p>
@@ -3654,7 +3655,7 @@
           <a:p>
             <a:fld id="{BFC6854B-1319-4214-A455-C00E97A8183C}" type="datetimeFigureOut">
               <a:rPr lang="en-US" smtClean="0"/>
-              <a:t>8/3/2015</a:t>
+              <a:t>8/4/2015</a:t>
             </a:fld>
             <a:endParaRPr lang="en-US"/>
           </a:p>
@@ -4687,7 +4688,7 @@
           <a:p>
             <a:fld id="{BFC6854B-1319-4214-A455-C00E97A8183C}" type="datetimeFigureOut">
               <a:rPr lang="en-US" smtClean="0"/>
-              <a:t>8/3/2015</a:t>
+              <a:t>8/4/2015</a:t>
             </a:fld>
             <a:endParaRPr lang="en-US"/>
           </a:p>
@@ -5347,7 +5348,7 @@
           <a:p>
             <a:fld id="{BFC6854B-1319-4214-A455-C00E97A8183C}" type="datetimeFigureOut">
               <a:rPr lang="en-US" smtClean="0"/>
-              <a:t>8/3/2015</a:t>
+              <a:t>8/4/2015</a:t>
             </a:fld>
             <a:endParaRPr lang="en-US"/>
           </a:p>
@@ -6208,7 +6209,7 @@
           <a:p>
             <a:fld id="{BFC6854B-1319-4214-A455-C00E97A8183C}" type="datetimeFigureOut">
               <a:rPr lang="en-US" smtClean="0"/>
-              <a:t>8/3/2015</a:t>
+              <a:t>8/4/2015</a:t>
             </a:fld>
             <a:endParaRPr lang="en-US"/>
           </a:p>
@@ -6398,7 +6399,7 @@
           <a:p>
             <a:fld id="{BFC6854B-1319-4214-A455-C00E97A8183C}" type="datetimeFigureOut">
               <a:rPr lang="en-US" smtClean="0"/>
-              <a:t>8/3/2015</a:t>
+              <a:t>8/4/2015</a:t>
             </a:fld>
             <a:endParaRPr lang="en-US"/>
           </a:p>
@@ -7370,7 +7371,7 @@
           <a:p>
             <a:fld id="{BFC6854B-1319-4214-A455-C00E97A8183C}" type="datetimeFigureOut">
               <a:rPr lang="en-US" smtClean="0"/>
-              <a:t>8/3/2015</a:t>
+              <a:t>8/4/2015</a:t>
             </a:fld>
             <a:endParaRPr lang="en-US"/>
           </a:p>
@@ -7581,7 +7582,7 @@
           <a:p>
             <a:fld id="{BFC6854B-1319-4214-A455-C00E97A8183C}" type="datetimeFigureOut">
               <a:rPr lang="en-US" smtClean="0"/>
-              <a:t>8/3/2015</a:t>
+              <a:t>8/4/2015</a:t>
             </a:fld>
             <a:endParaRPr lang="en-US"/>
           </a:p>
@@ -8615,7 +8616,7 @@
           <a:p>
             <a:fld id="{BFC6854B-1319-4214-A455-C00E97A8183C}" type="datetimeFigureOut">
               <a:rPr lang="en-US" smtClean="0"/>
-              <a:t>8/3/2015</a:t>
+              <a:t>8/4/2015</a:t>
             </a:fld>
             <a:endParaRPr lang="en-US"/>
           </a:p>
@@ -8887,7 +8888,7 @@
           <a:p>
             <a:fld id="{BFC6854B-1319-4214-A455-C00E97A8183C}" type="datetimeFigureOut">
               <a:rPr lang="en-US" smtClean="0"/>
-              <a:t>8/3/2015</a:t>
+              <a:t>8/4/2015</a:t>
             </a:fld>
             <a:endParaRPr lang="en-US"/>
           </a:p>
@@ -9297,7 +9298,7 @@
           <a:p>
             <a:fld id="{BFC6854B-1319-4214-A455-C00E97A8183C}" type="datetimeFigureOut">
               <a:rPr lang="en-US" smtClean="0"/>
-              <a:t>8/3/2015</a:t>
+              <a:t>8/4/2015</a:t>
             </a:fld>
             <a:endParaRPr lang="en-US"/>
           </a:p>
@@ -9424,7 +9425,7 @@
           <a:p>
             <a:fld id="{BFC6854B-1319-4214-A455-C00E97A8183C}" type="datetimeFigureOut">
               <a:rPr lang="en-US" smtClean="0"/>
-              <a:t>8/3/2015</a:t>
+              <a:t>8/4/2015</a:t>
             </a:fld>
             <a:endParaRPr lang="en-US"/>
           </a:p>
@@ -9519,7 +9520,7 @@
           <a:p>
             <a:fld id="{BFC6854B-1319-4214-A455-C00E97A8183C}" type="datetimeFigureOut">
               <a:rPr lang="en-US" smtClean="0"/>
-              <a:t>8/3/2015</a:t>
+              <a:t>8/4/2015</a:t>
             </a:fld>
             <a:endParaRPr lang="en-US"/>
           </a:p>
@@ -10600,7 +10601,7 @@
           <a:p>
             <a:fld id="{BFC6854B-1319-4214-A455-C00E97A8183C}" type="datetimeFigureOut">
               <a:rPr lang="en-US" smtClean="0"/>
-              <a:t>8/3/2015</a:t>
+              <a:t>8/4/2015</a:t>
             </a:fld>
             <a:endParaRPr lang="en-US"/>
           </a:p>
@@ -11708,7 +11709,7 @@
           <a:p>
             <a:fld id="{BFC6854B-1319-4214-A455-C00E97A8183C}" type="datetimeFigureOut">
               <a:rPr lang="en-US" smtClean="0"/>
-              <a:t>8/3/2015</a:t>
+              <a:t>8/4/2015</a:t>
             </a:fld>
             <a:endParaRPr lang="en-US"/>
           </a:p>
@@ -12705,7 +12706,7 @@
           <a:p>
             <a:fld id="{BFC6854B-1319-4214-A455-C00E97A8183C}" type="datetimeFigureOut">
               <a:rPr lang="en-US" smtClean="0"/>
-              <a:t>8/3/2015</a:t>
+              <a:t>8/4/2015</a:t>
             </a:fld>
             <a:endParaRPr lang="en-US"/>
           </a:p>
@@ -13388,7 +13389,9 @@
           </a:xfrm>
         </p:spPr>
         <p:txBody>
-          <a:bodyPr/>
+          <a:bodyPr>
+            <a:normAutofit lnSpcReduction="10000"/>
+          </a:bodyPr>
           <a:lstStyle/>
           <a:p>
             <a:pPr lvl="0"/>
@@ -13469,7 +13472,11 @@
             <a:pPr lvl="1"/>
             <a:r>
               <a:rPr lang="en-US" dirty="0" smtClean="0"/>
-              <a:t>Script once, run many</a:t>
+              <a:t>Markdown: Script </a:t>
+            </a:r>
+            <a:r>
+              <a:rPr lang="en-US" dirty="0" smtClean="0"/>
+              <a:t>once, run many</a:t>
             </a:r>
           </a:p>
           <a:p>
@@ -13495,8 +13502,27 @@
           <a:p>
             <a:r>
               <a:rPr lang="en-US" dirty="0" smtClean="0"/>
-              <a:t>Free, free, and free</a:t>
-            </a:r>
+              <a:t>Free, free, and </a:t>
+            </a:r>
+            <a:r>
+              <a:rPr lang="en-US" dirty="0" smtClean="0"/>
+              <a:t>free</a:t>
+            </a:r>
+          </a:p>
+          <a:p>
+            <a:r>
+              <a:rPr lang="en-US" dirty="0" smtClean="0"/>
+              <a:t>Data Science is </a:t>
+            </a:r>
+            <a:r>
+              <a:rPr lang="en-US" b="1" i="1" dirty="0" smtClean="0"/>
+              <a:t>HOT</a:t>
+            </a:r>
+            <a:r>
+              <a:rPr lang="en-US" dirty="0" smtClean="0"/>
+              <a:t>, and R is the Lingua Franca</a:t>
+            </a:r>
+            <a:endParaRPr lang="en-US" dirty="0" smtClean="0"/>
           </a:p>
           <a:p>
             <a:pPr lvl="1"/>
@@ -13667,7 +13693,373 @@
   <p:timing>
     <p:tnLst>
       <p:par>
-        <p:cTn id="1" dur="indefinite" restart="never" nodeType="tmRoot"/>
+        <p:cTn id="1" dur="indefinite" restart="never" nodeType="tmRoot">
+          <p:childTnLst>
+            <p:seq concurrent="1" nextAc="seek">
+              <p:cTn id="2" dur="indefinite" nodeType="mainSeq">
+                <p:childTnLst>
+                  <p:par>
+                    <p:cTn id="3" fill="hold">
+                      <p:stCondLst>
+                        <p:cond delay="indefinite"/>
+                      </p:stCondLst>
+                      <p:childTnLst>
+                        <p:par>
+                          <p:cTn id="4" fill="hold">
+                            <p:stCondLst>
+                              <p:cond delay="0"/>
+                            </p:stCondLst>
+                            <p:childTnLst>
+                              <p:par>
+                                <p:cTn id="5" presetID="1" presetClass="entr" presetSubtype="0" fill="hold" nodeType="clickEffect">
+                                  <p:stCondLst>
+                                    <p:cond delay="0"/>
+                                  </p:stCondLst>
+                                  <p:childTnLst>
+                                    <p:set>
+                                      <p:cBhvr>
+                                        <p:cTn id="6" dur="1" fill="hold">
+                                          <p:stCondLst>
+                                            <p:cond delay="0"/>
+                                          </p:stCondLst>
+                                        </p:cTn>
+                                        <p:tgtEl>
+                                          <p:spTgt spid="3">
+                                            <p:txEl>
+                                              <p:pRg st="1" end="1"/>
+                                            </p:txEl>
+                                          </p:spTgt>
+                                        </p:tgtEl>
+                                        <p:attrNameLst>
+                                          <p:attrName>style.visibility</p:attrName>
+                                        </p:attrNameLst>
+                                      </p:cBhvr>
+                                      <p:to>
+                                        <p:strVal val="visible"/>
+                                      </p:to>
+                                    </p:set>
+                                  </p:childTnLst>
+                                </p:cTn>
+                              </p:par>
+                            </p:childTnLst>
+                          </p:cTn>
+                        </p:par>
+                      </p:childTnLst>
+                    </p:cTn>
+                  </p:par>
+                  <p:par>
+                    <p:cTn id="7" fill="hold">
+                      <p:stCondLst>
+                        <p:cond delay="indefinite"/>
+                      </p:stCondLst>
+                      <p:childTnLst>
+                        <p:par>
+                          <p:cTn id="8" fill="hold">
+                            <p:stCondLst>
+                              <p:cond delay="0"/>
+                            </p:stCondLst>
+                            <p:childTnLst>
+                              <p:par>
+                                <p:cTn id="9" presetID="1" presetClass="entr" presetSubtype="0" fill="hold" nodeType="clickEffect">
+                                  <p:stCondLst>
+                                    <p:cond delay="0"/>
+                                  </p:stCondLst>
+                                  <p:childTnLst>
+                                    <p:set>
+                                      <p:cBhvr>
+                                        <p:cTn id="10" dur="1" fill="hold">
+                                          <p:stCondLst>
+                                            <p:cond delay="0"/>
+                                          </p:stCondLst>
+                                        </p:cTn>
+                                        <p:tgtEl>
+                                          <p:spTgt spid="3">
+                                            <p:txEl>
+                                              <p:pRg st="2" end="2"/>
+                                            </p:txEl>
+                                          </p:spTgt>
+                                        </p:tgtEl>
+                                        <p:attrNameLst>
+                                          <p:attrName>style.visibility</p:attrName>
+                                        </p:attrNameLst>
+                                      </p:cBhvr>
+                                      <p:to>
+                                        <p:strVal val="visible"/>
+                                      </p:to>
+                                    </p:set>
+                                  </p:childTnLst>
+                                </p:cTn>
+                              </p:par>
+                            </p:childTnLst>
+                          </p:cTn>
+                        </p:par>
+                      </p:childTnLst>
+                    </p:cTn>
+                  </p:par>
+                  <p:par>
+                    <p:cTn id="11" fill="hold">
+                      <p:stCondLst>
+                        <p:cond delay="indefinite"/>
+                      </p:stCondLst>
+                      <p:childTnLst>
+                        <p:par>
+                          <p:cTn id="12" fill="hold">
+                            <p:stCondLst>
+                              <p:cond delay="0"/>
+                            </p:stCondLst>
+                            <p:childTnLst>
+                              <p:par>
+                                <p:cTn id="13" presetID="1" presetClass="entr" presetSubtype="0" fill="hold" nodeType="clickEffect">
+                                  <p:stCondLst>
+                                    <p:cond delay="0"/>
+                                  </p:stCondLst>
+                                  <p:childTnLst>
+                                    <p:set>
+                                      <p:cBhvr>
+                                        <p:cTn id="14" dur="1" fill="hold">
+                                          <p:stCondLst>
+                                            <p:cond delay="0"/>
+                                          </p:stCondLst>
+                                        </p:cTn>
+                                        <p:tgtEl>
+                                          <p:spTgt spid="3">
+                                            <p:txEl>
+                                              <p:pRg st="3" end="3"/>
+                                            </p:txEl>
+                                          </p:spTgt>
+                                        </p:tgtEl>
+                                        <p:attrNameLst>
+                                          <p:attrName>style.visibility</p:attrName>
+                                        </p:attrNameLst>
+                                      </p:cBhvr>
+                                      <p:to>
+                                        <p:strVal val="visible"/>
+                                      </p:to>
+                                    </p:set>
+                                  </p:childTnLst>
+                                </p:cTn>
+                              </p:par>
+                            </p:childTnLst>
+                          </p:cTn>
+                        </p:par>
+                      </p:childTnLst>
+                    </p:cTn>
+                  </p:par>
+                  <p:par>
+                    <p:cTn id="15" fill="hold">
+                      <p:stCondLst>
+                        <p:cond delay="indefinite"/>
+                      </p:stCondLst>
+                      <p:childTnLst>
+                        <p:par>
+                          <p:cTn id="16" fill="hold">
+                            <p:stCondLst>
+                              <p:cond delay="0"/>
+                            </p:stCondLst>
+                            <p:childTnLst>
+                              <p:par>
+                                <p:cTn id="17" presetID="1" presetClass="entr" presetSubtype="0" fill="hold" nodeType="clickEffect">
+                                  <p:stCondLst>
+                                    <p:cond delay="0"/>
+                                  </p:stCondLst>
+                                  <p:childTnLst>
+                                    <p:set>
+                                      <p:cBhvr>
+                                        <p:cTn id="18" dur="1" fill="hold">
+                                          <p:stCondLst>
+                                            <p:cond delay="0"/>
+                                          </p:stCondLst>
+                                        </p:cTn>
+                                        <p:tgtEl>
+                                          <p:spTgt spid="3">
+                                            <p:txEl>
+                                              <p:pRg st="4" end="4"/>
+                                            </p:txEl>
+                                          </p:spTgt>
+                                        </p:tgtEl>
+                                        <p:attrNameLst>
+                                          <p:attrName>style.visibility</p:attrName>
+                                        </p:attrNameLst>
+                                      </p:cBhvr>
+                                      <p:to>
+                                        <p:strVal val="visible"/>
+                                      </p:to>
+                                    </p:set>
+                                  </p:childTnLst>
+                                </p:cTn>
+                              </p:par>
+                            </p:childTnLst>
+                          </p:cTn>
+                        </p:par>
+                      </p:childTnLst>
+                    </p:cTn>
+                  </p:par>
+                  <p:par>
+                    <p:cTn id="19" fill="hold">
+                      <p:stCondLst>
+                        <p:cond delay="indefinite"/>
+                      </p:stCondLst>
+                      <p:childTnLst>
+                        <p:par>
+                          <p:cTn id="20" fill="hold">
+                            <p:stCondLst>
+                              <p:cond delay="0"/>
+                            </p:stCondLst>
+                            <p:childTnLst>
+                              <p:par>
+                                <p:cTn id="21" presetID="1" presetClass="entr" presetSubtype="0" fill="hold" nodeType="clickEffect">
+                                  <p:stCondLst>
+                                    <p:cond delay="0"/>
+                                  </p:stCondLst>
+                                  <p:childTnLst>
+                                    <p:set>
+                                      <p:cBhvr>
+                                        <p:cTn id="22" dur="1" fill="hold">
+                                          <p:stCondLst>
+                                            <p:cond delay="0"/>
+                                          </p:stCondLst>
+                                        </p:cTn>
+                                        <p:tgtEl>
+                                          <p:spTgt spid="3">
+                                            <p:txEl>
+                                              <p:pRg st="5" end="5"/>
+                                            </p:txEl>
+                                          </p:spTgt>
+                                        </p:tgtEl>
+                                        <p:attrNameLst>
+                                          <p:attrName>style.visibility</p:attrName>
+                                        </p:attrNameLst>
+                                      </p:cBhvr>
+                                      <p:to>
+                                        <p:strVal val="visible"/>
+                                      </p:to>
+                                    </p:set>
+                                  </p:childTnLst>
+                                </p:cTn>
+                              </p:par>
+                            </p:childTnLst>
+                          </p:cTn>
+                        </p:par>
+                      </p:childTnLst>
+                    </p:cTn>
+                  </p:par>
+                  <p:par>
+                    <p:cTn id="23" fill="hold">
+                      <p:stCondLst>
+                        <p:cond delay="indefinite"/>
+                      </p:stCondLst>
+                      <p:childTnLst>
+                        <p:par>
+                          <p:cTn id="24" fill="hold">
+                            <p:stCondLst>
+                              <p:cond delay="0"/>
+                            </p:stCondLst>
+                            <p:childTnLst>
+                              <p:par>
+                                <p:cTn id="25" presetID="1" presetClass="entr" presetSubtype="0" fill="hold" nodeType="clickEffect">
+                                  <p:stCondLst>
+                                    <p:cond delay="0"/>
+                                  </p:stCondLst>
+                                  <p:childTnLst>
+                                    <p:set>
+                                      <p:cBhvr>
+                                        <p:cTn id="26" dur="1" fill="hold">
+                                          <p:stCondLst>
+                                            <p:cond delay="0"/>
+                                          </p:stCondLst>
+                                        </p:cTn>
+                                        <p:tgtEl>
+                                          <p:spTgt spid="3">
+                                            <p:txEl>
+                                              <p:pRg st="6" end="6"/>
+                                            </p:txEl>
+                                          </p:spTgt>
+                                        </p:tgtEl>
+                                        <p:attrNameLst>
+                                          <p:attrName>style.visibility</p:attrName>
+                                        </p:attrNameLst>
+                                      </p:cBhvr>
+                                      <p:to>
+                                        <p:strVal val="visible"/>
+                                      </p:to>
+                                    </p:set>
+                                  </p:childTnLst>
+                                </p:cTn>
+                              </p:par>
+                            </p:childTnLst>
+                          </p:cTn>
+                        </p:par>
+                      </p:childTnLst>
+                    </p:cTn>
+                  </p:par>
+                  <p:par>
+                    <p:cTn id="27" fill="hold">
+                      <p:stCondLst>
+                        <p:cond delay="indefinite"/>
+                      </p:stCondLst>
+                      <p:childTnLst>
+                        <p:par>
+                          <p:cTn id="28" fill="hold">
+                            <p:stCondLst>
+                              <p:cond delay="0"/>
+                            </p:stCondLst>
+                            <p:childTnLst>
+                              <p:par>
+                                <p:cTn id="29" presetID="1" presetClass="entr" presetSubtype="0" fill="hold" nodeType="clickEffect">
+                                  <p:stCondLst>
+                                    <p:cond delay="0"/>
+                                  </p:stCondLst>
+                                  <p:childTnLst>
+                                    <p:set>
+                                      <p:cBhvr>
+                                        <p:cTn id="30" dur="1" fill="hold">
+                                          <p:stCondLst>
+                                            <p:cond delay="0"/>
+                                          </p:stCondLst>
+                                        </p:cTn>
+                                        <p:tgtEl>
+                                          <p:spTgt spid="3">
+                                            <p:txEl>
+                                              <p:pRg st="7" end="7"/>
+                                            </p:txEl>
+                                          </p:spTgt>
+                                        </p:tgtEl>
+                                        <p:attrNameLst>
+                                          <p:attrName>style.visibility</p:attrName>
+                                        </p:attrNameLst>
+                                      </p:cBhvr>
+                                      <p:to>
+                                        <p:strVal val="visible"/>
+                                      </p:to>
+                                    </p:set>
+                                  </p:childTnLst>
+                                </p:cTn>
+                              </p:par>
+                            </p:childTnLst>
+                          </p:cTn>
+                        </p:par>
+                      </p:childTnLst>
+                    </p:cTn>
+                  </p:par>
+                </p:childTnLst>
+              </p:cTn>
+              <p:prevCondLst>
+                <p:cond evt="onPrev" delay="0">
+                  <p:tgtEl>
+                    <p:sldTgt/>
+                  </p:tgtEl>
+                </p:cond>
+              </p:prevCondLst>
+              <p:nextCondLst>
+                <p:cond evt="onNext" delay="0">
+                  <p:tgtEl>
+                    <p:sldTgt/>
+                  </p:tgtEl>
+                </p:cond>
+              </p:nextCondLst>
+            </p:seq>
+          </p:childTnLst>
+        </p:cTn>
       </p:par>
     </p:tnLst>
   </p:timing>
@@ -13912,6 +14304,168 @@
           <a:p>
             <a:r>
               <a:rPr lang="en-US" dirty="0" smtClean="0"/>
+              <a:t>Books About Regression</a:t>
+            </a:r>
+            <a:endParaRPr lang="en-US" dirty="0"/>
+          </a:p>
+        </p:txBody>
+      </p:sp>
+      <p:sp>
+        <p:nvSpPr>
+          <p:cNvPr id="3" name="Content Placeholder 2"/>
+          <p:cNvSpPr>
+            <a:spLocks noGrp="1"/>
+          </p:cNvSpPr>
+          <p:nvPr>
+            <p:ph sz="half" idx="1"/>
+          </p:nvPr>
+        </p:nvSpPr>
+        <p:spPr/>
+        <p:txBody>
+          <a:bodyPr/>
+          <a:lstStyle/>
+          <a:p>
+            <a:r>
+              <a:rPr lang="en-US" i="1" dirty="0" smtClean="0"/>
+              <a:t>Regression Basics</a:t>
+            </a:r>
+            <a:r>
+              <a:rPr lang="en-US" dirty="0" smtClean="0"/>
+              <a:t> – Leo H. Kahane – The best primer I’ve found</a:t>
+            </a:r>
+          </a:p>
+          <a:p>
+            <a:r>
+              <a:rPr lang="en-US" i="1" dirty="0" smtClean="0"/>
+              <a:t>R Cookbook – </a:t>
+            </a:r>
+            <a:r>
+              <a:rPr lang="en-US" dirty="0" smtClean="0"/>
+              <a:t>Paul </a:t>
+            </a:r>
+            <a:r>
+              <a:rPr lang="en-US" dirty="0" err="1" smtClean="0"/>
+              <a:t>Teetor</a:t>
+            </a:r>
+            <a:r>
+              <a:rPr lang="en-US" dirty="0" smtClean="0"/>
+              <a:t> – Explains diagnostics well</a:t>
+            </a:r>
+          </a:p>
+          <a:p>
+            <a:r>
+              <a:rPr lang="en-US" i="1" dirty="0"/>
+              <a:t>Empirical Model-Building and Response </a:t>
+            </a:r>
+            <a:r>
+              <a:rPr lang="en-US" i="1" dirty="0" smtClean="0"/>
+              <a:t>Surfaces – </a:t>
+            </a:r>
+            <a:r>
+              <a:rPr lang="en-US" dirty="0" smtClean="0"/>
+              <a:t>Box &amp; Draper – Definitive, great appendices for forgotten matrix math</a:t>
+            </a:r>
+            <a:endParaRPr lang="en-US" i="1" dirty="0"/>
+          </a:p>
+        </p:txBody>
+      </p:sp>
+      <p:pic>
+        <p:nvPicPr>
+          <p:cNvPr id="1028" name="Picture 4" descr="http://ecx.images-amazon.com/images/I/51NpC-muWhL._SX331_BO1,204,203,200_.jpg"/>
+          <p:cNvPicPr>
+            <a:picLocks noGrp="1" noChangeAspect="1" noChangeArrowheads="1"/>
+          </p:cNvPicPr>
+          <p:nvPr>
+            <p:ph sz="half" idx="2"/>
+          </p:nvPr>
+        </p:nvPicPr>
+        <p:blipFill>
+          <a:blip r:embed="rId2">
+            <a:extLst>
+              <a:ext uri="{28A0092B-C50C-407E-A947-70E740481C1C}">
+                <a14:useLocalDpi xmlns:a14="http://schemas.microsoft.com/office/drawing/2010/main" val="0"/>
+              </a:ext>
+            </a:extLst>
+          </a:blip>
+          <a:srcRect/>
+          <a:stretch>
+            <a:fillRect/>
+          </a:stretch>
+        </p:blipFill>
+        <p:spPr bwMode="auto">
+          <a:xfrm>
+            <a:off x="7492586" y="2603500"/>
+            <a:ext cx="2279815" cy="3416300"/>
+          </a:xfrm>
+          <a:prstGeom prst="rect">
+            <a:avLst/>
+          </a:prstGeom>
+          <a:noFill/>
+          <a:extLst>
+            <a:ext uri="{909E8E84-426E-40DD-AFC4-6F175D3DCCD1}">
+              <a14:hiddenFill xmlns:a14="http://schemas.microsoft.com/office/drawing/2010/main">
+                <a:solidFill>
+                  <a:srgbClr val="FFFFFF"/>
+                </a:solidFill>
+              </a14:hiddenFill>
+            </a:ext>
+          </a:extLst>
+        </p:spPr>
+      </p:pic>
+    </p:spTree>
+    <p:extLst>
+      <p:ext uri="{BB962C8B-B14F-4D97-AF65-F5344CB8AC3E}">
+        <p14:creationId xmlns:p14="http://schemas.microsoft.com/office/powerpoint/2010/main" val="2679479841"/>
+      </p:ext>
+    </p:extLst>
+  </p:cSld>
+  <p:clrMapOvr>
+    <a:masterClrMapping/>
+  </p:clrMapOvr>
+  <p:timing>
+    <p:tnLst>
+      <p:par>
+        <p:cTn id="1" dur="indefinite" restart="never" nodeType="tmRoot"/>
+      </p:par>
+    </p:tnLst>
+  </p:timing>
+</p:sld>
+</file>
+
+<file path=ppt/slides/slide7.xml><?xml version="1.0" encoding="utf-8"?>
+<p:sld xmlns:a="http://schemas.openxmlformats.org/drawingml/2006/main" xmlns:r="http://schemas.openxmlformats.org/officeDocument/2006/relationships" xmlns:p="http://schemas.openxmlformats.org/presentationml/2006/main">
+  <p:cSld>
+    <p:spTree>
+      <p:nvGrpSpPr>
+        <p:cNvPr id="1" name=""/>
+        <p:cNvGrpSpPr/>
+        <p:nvPr/>
+      </p:nvGrpSpPr>
+      <p:grpSpPr>
+        <a:xfrm>
+          <a:off x="0" y="0"/>
+          <a:ext cx="0" cy="0"/>
+          <a:chOff x="0" y="0"/>
+          <a:chExt cx="0" cy="0"/>
+        </a:xfrm>
+      </p:grpSpPr>
+      <p:sp>
+        <p:nvSpPr>
+          <p:cNvPr id="2" name="Title 1"/>
+          <p:cNvSpPr>
+            <a:spLocks noGrp="1"/>
+          </p:cNvSpPr>
+          <p:nvPr>
+            <p:ph type="title"/>
+          </p:nvPr>
+        </p:nvSpPr>
+        <p:spPr/>
+        <p:txBody>
+          <a:bodyPr/>
+          <a:lstStyle/>
+          <a:p>
+            <a:r>
+              <a:rPr lang="en-US" dirty="0" smtClean="0"/>
               <a:t>Supercharging R</a:t>
             </a:r>
             <a:endParaRPr lang="en-US" dirty="0"/>
@@ -13941,7 +14495,10 @@
           <a:p>
             <a:pPr lvl="1"/>
             <a:r>
-              <a:rPr lang="en-US" dirty="0" err="1" smtClean="0"/>
+              <a:rPr lang="en-US" b="1" dirty="0" err="1" smtClean="0">
+                <a:latin typeface="Courier New" panose="02070309020205020404" pitchFamily="49" charset="0"/>
+                <a:cs typeface="Courier New" panose="02070309020205020404" pitchFamily="49" charset="0"/>
+              </a:rPr>
               <a:t>dplyr</a:t>
             </a:r>
             <a:r>
@@ -13952,14 +14509,24 @@
           <a:p>
             <a:pPr lvl="1"/>
             <a:r>
+              <a:rPr lang="en-US" b="1" dirty="0">
+                <a:latin typeface="Courier New" panose="02070309020205020404" pitchFamily="49" charset="0"/>
+                <a:cs typeface="Courier New" panose="02070309020205020404" pitchFamily="49" charset="0"/>
+              </a:rPr>
+              <a:t>ggplot2</a:t>
+            </a:r>
+            <a:r>
               <a:rPr lang="en-US" dirty="0" smtClean="0"/>
-              <a:t>ggplot2 – advanced graphics</a:t>
+              <a:t> – advanced graphics</a:t>
             </a:r>
           </a:p>
           <a:p>
             <a:pPr lvl="1"/>
             <a:r>
-              <a:rPr lang="en-US" dirty="0" err="1" smtClean="0"/>
+              <a:rPr lang="en-US" b="1" dirty="0" err="1">
+                <a:latin typeface="Courier New" panose="02070309020205020404" pitchFamily="49" charset="0"/>
+                <a:cs typeface="Courier New" panose="02070309020205020404" pitchFamily="49" charset="0"/>
+              </a:rPr>
               <a:t>sqldf</a:t>
             </a:r>
             <a:r>
@@ -13974,14 +14541,31 @@
           <a:p>
             <a:pPr lvl="1"/>
             <a:r>
+              <a:rPr lang="en-US" b="1" dirty="0" err="1">
+                <a:latin typeface="Courier New" panose="02070309020205020404" pitchFamily="49" charset="0"/>
+                <a:cs typeface="Courier New" panose="02070309020205020404" pitchFamily="49" charset="0"/>
+              </a:rPr>
+              <a:t>lubridate</a:t>
+            </a:r>
+            <a:r>
               <a:rPr lang="en-US" dirty="0" smtClean="0"/>
-              <a:t>NLP – Natural </a:t>
-            </a:r>
-            <a:r>
-              <a:rPr lang="en-US" smtClean="0"/>
-              <a:t>Language Processing/Text Mining</a:t>
+              <a:t> – sane data manipulation</a:t>
             </a:r>
             <a:endParaRPr lang="en-US" dirty="0" smtClean="0"/>
+          </a:p>
+          <a:p>
+            <a:pPr lvl="1"/>
+            <a:r>
+              <a:rPr lang="en-US" b="1" dirty="0">
+                <a:latin typeface="Courier New" panose="02070309020205020404" pitchFamily="49" charset="0"/>
+                <a:cs typeface="Courier New" panose="02070309020205020404" pitchFamily="49" charset="0"/>
+              </a:rPr>
+              <a:t>NLP</a:t>
+            </a:r>
+            <a:r>
+              <a:rPr lang="en-US" dirty="0" smtClean="0"/>
+              <a:t> – Natural Language Processing/Text Mining</a:t>
+            </a:r>
           </a:p>
           <a:p>
             <a:r>
